--- a/documentation/factsheets/WNTR_overview_factsheet.pptx
+++ b/documentation/factsheets/WNTR_overview_factsheet.pptx
@@ -2,10 +2,10 @@
 <file path=ppt/presentation.xml><?xml version="1.0" encoding="utf-8"?>
 <p:presentation xmlns:a="http://schemas.openxmlformats.org/drawingml/2006/main" xmlns:r="http://schemas.openxmlformats.org/officeDocument/2006/relationships" xmlns:p="http://schemas.openxmlformats.org/presentationml/2006/main" saveSubsetFonts="1">
   <p:sldMasterIdLst>
-    <p:sldMasterId id="2147483660" r:id="rId2"/>
+    <p:sldMasterId id="2147483660" r:id="rId5"/>
   </p:sldMasterIdLst>
   <p:sldIdLst>
-    <p:sldId id="256" r:id="rId3"/>
+    <p:sldId id="256" r:id="rId6"/>
   </p:sldIdLst>
   <p:sldSz cx="7772400" cy="10058400"/>
   <p:notesSz cx="7315200" cy="9601200"/>
@@ -112,6 +112,139 @@
 </p:presentation>
 </file>
 
+<file path=ppt/revisionInfo.xml><?xml version="1.0" encoding="utf-8"?>
+<p1510:revInfo xmlns:a="http://schemas.openxmlformats.org/drawingml/2006/main" xmlns:r="http://schemas.openxmlformats.org/officeDocument/2006/relationships" xmlns:p1510="http://schemas.microsoft.com/office/powerpoint/2015/10/main">
+  <p1510:revLst>
+    <p1510:client id="{ECD6A3DF-B846-7460-FCDE-F2C6D1B7E9D3}" v="23" dt="2025-01-06T21:25:17.945"/>
+  </p1510:revLst>
+</p1510:revInfo>
+</file>
+
+<file path=ppt/changesInfos/changesInfo1.xml><?xml version="1.0" encoding="utf-8"?>
+<pc:chgInfo xmlns:a="http://schemas.openxmlformats.org/drawingml/2006/main" xmlns:r="http://schemas.openxmlformats.org/officeDocument/2006/relationships" xmlns:ac="http://schemas.microsoft.com/office/drawing/2013/main/command" xmlns:pc="http://schemas.microsoft.com/office/powerpoint/2013/main/command">
+  <pc:docChgLst>
+    <pc:chgData name="Bonney, Kirk Lane" userId="S::klbonne@sandia.gov::7ec7e2e5-322f-4962-a755-75060357d6d4" providerId="AD" clId="Web-{33075E7A-09D2-003F-6F49-BF75A0786514}"/>
+    <pc:docChg chg="modSld">
+      <pc:chgData name="Bonney, Kirk Lane" userId="S::klbonne@sandia.gov::7ec7e2e5-322f-4962-a755-75060357d6d4" providerId="AD" clId="Web-{33075E7A-09D2-003F-6F49-BF75A0786514}" dt="2024-12-16T18:37:39.472" v="130" actId="1076"/>
+      <pc:docMkLst>
+        <pc:docMk/>
+      </pc:docMkLst>
+      <pc:sldChg chg="modSp">
+        <pc:chgData name="Bonney, Kirk Lane" userId="S::klbonne@sandia.gov::7ec7e2e5-322f-4962-a755-75060357d6d4" providerId="AD" clId="Web-{33075E7A-09D2-003F-6F49-BF75A0786514}" dt="2024-12-16T18:37:39.472" v="130" actId="1076"/>
+        <pc:sldMkLst>
+          <pc:docMk/>
+          <pc:sldMk cId="2435411237" sldId="256"/>
+        </pc:sldMkLst>
+        <pc:spChg chg="mod">
+          <ac:chgData name="Bonney, Kirk Lane" userId="S::klbonne@sandia.gov::7ec7e2e5-322f-4962-a755-75060357d6d4" providerId="AD" clId="Web-{33075E7A-09D2-003F-6F49-BF75A0786514}" dt="2024-12-16T18:37:39.472" v="130" actId="1076"/>
+          <ac:spMkLst>
+            <pc:docMk/>
+            <pc:sldMk cId="2435411237" sldId="256"/>
+            <ac:spMk id="9" creationId="{ABB71C48-1AB0-4437-BD71-6BF81FE625BE}"/>
+          </ac:spMkLst>
+        </pc:spChg>
+        <pc:spChg chg="mod">
+          <ac:chgData name="Bonney, Kirk Lane" userId="S::klbonne@sandia.gov::7ec7e2e5-322f-4962-a755-75060357d6d4" providerId="AD" clId="Web-{33075E7A-09D2-003F-6F49-BF75A0786514}" dt="2024-12-16T18:35:51.752" v="40" actId="20577"/>
+          <ac:spMkLst>
+            <pc:docMk/>
+            <pc:sldMk cId="2435411237" sldId="256"/>
+            <ac:spMk id="38" creationId="{00000000-0000-0000-0000-000000000000}"/>
+          </ac:spMkLst>
+        </pc:spChg>
+        <pc:spChg chg="mod">
+          <ac:chgData name="Bonney, Kirk Lane" userId="S::klbonne@sandia.gov::7ec7e2e5-322f-4962-a755-75060357d6d4" providerId="AD" clId="Web-{33075E7A-09D2-003F-6F49-BF75A0786514}" dt="2024-12-16T18:35:09.814" v="29" actId="14100"/>
+          <ac:spMkLst>
+            <pc:docMk/>
+            <pc:sldMk cId="2435411237" sldId="256"/>
+            <ac:spMk id="39" creationId="{00000000-0000-0000-0000-000000000000}"/>
+          </ac:spMkLst>
+        </pc:spChg>
+        <pc:spChg chg="mod">
+          <ac:chgData name="Bonney, Kirk Lane" userId="S::klbonne@sandia.gov::7ec7e2e5-322f-4962-a755-75060357d6d4" providerId="AD" clId="Web-{33075E7A-09D2-003F-6F49-BF75A0786514}" dt="2024-12-16T18:37:35.565" v="123" actId="1076"/>
+          <ac:spMkLst>
+            <pc:docMk/>
+            <pc:sldMk cId="2435411237" sldId="256"/>
+            <ac:spMk id="51" creationId="{E9C90CF1-B080-4F6E-9FA6-BFF61C480CD0}"/>
+          </ac:spMkLst>
+        </pc:spChg>
+        <pc:spChg chg="mod">
+          <ac:chgData name="Bonney, Kirk Lane" userId="S::klbonne@sandia.gov::7ec7e2e5-322f-4962-a755-75060357d6d4" providerId="AD" clId="Web-{33075E7A-09D2-003F-6F49-BF75A0786514}" dt="2024-12-16T18:37:35.597" v="124" actId="1076"/>
+          <ac:spMkLst>
+            <pc:docMk/>
+            <pc:sldMk cId="2435411237" sldId="256"/>
+            <ac:spMk id="52" creationId="{FED25274-2CFD-43E0-B657-97FF764DA2DC}"/>
+          </ac:spMkLst>
+        </pc:spChg>
+        <pc:spChg chg="mod">
+          <ac:chgData name="Bonney, Kirk Lane" userId="S::klbonne@sandia.gov::7ec7e2e5-322f-4962-a755-75060357d6d4" providerId="AD" clId="Web-{33075E7A-09D2-003F-6F49-BF75A0786514}" dt="2024-12-16T18:37:35.628" v="125" actId="1076"/>
+          <ac:spMkLst>
+            <pc:docMk/>
+            <pc:sldMk cId="2435411237" sldId="256"/>
+            <ac:spMk id="53" creationId="{B938A115-0F15-4223-BB57-6F3DA7FFC4AC}"/>
+          </ac:spMkLst>
+        </pc:spChg>
+        <pc:spChg chg="mod">
+          <ac:chgData name="Bonney, Kirk Lane" userId="S::klbonne@sandia.gov::7ec7e2e5-322f-4962-a755-75060357d6d4" providerId="AD" clId="Web-{33075E7A-09D2-003F-6F49-BF75A0786514}" dt="2024-12-16T18:37:35.659" v="126" actId="1076"/>
+          <ac:spMkLst>
+            <pc:docMk/>
+            <pc:sldMk cId="2435411237" sldId="256"/>
+            <ac:spMk id="58" creationId="{1F61FF1F-4128-48C7-9CB9-883260390464}"/>
+          </ac:spMkLst>
+        </pc:spChg>
+        <pc:spChg chg="mod">
+          <ac:chgData name="Bonney, Kirk Lane" userId="S::klbonne@sandia.gov::7ec7e2e5-322f-4962-a755-75060357d6d4" providerId="AD" clId="Web-{33075E7A-09D2-003F-6F49-BF75A0786514}" dt="2024-12-16T18:37:35.690" v="127" actId="1076"/>
+          <ac:spMkLst>
+            <pc:docMk/>
+            <pc:sldMk cId="2435411237" sldId="256"/>
+            <ac:spMk id="59" creationId="{F6C678B7-EB21-4FFA-8133-88FA997A520A}"/>
+          </ac:spMkLst>
+        </pc:spChg>
+        <pc:spChg chg="mod">
+          <ac:chgData name="Bonney, Kirk Lane" userId="S::klbonne@sandia.gov::7ec7e2e5-322f-4962-a755-75060357d6d4" providerId="AD" clId="Web-{33075E7A-09D2-003F-6F49-BF75A0786514}" dt="2024-12-16T18:37:35.722" v="128" actId="1076"/>
+          <ac:spMkLst>
+            <pc:docMk/>
+            <pc:sldMk cId="2435411237" sldId="256"/>
+            <ac:spMk id="60" creationId="{83F29C25-9436-400A-8EAB-798DDC3D0CC2}"/>
+          </ac:spMkLst>
+        </pc:spChg>
+        <pc:spChg chg="mod">
+          <ac:chgData name="Bonney, Kirk Lane" userId="S::klbonne@sandia.gov::7ec7e2e5-322f-4962-a755-75060357d6d4" providerId="AD" clId="Web-{33075E7A-09D2-003F-6F49-BF75A0786514}" dt="2024-12-16T18:37:35.753" v="129" actId="1076"/>
+          <ac:spMkLst>
+            <pc:docMk/>
+            <pc:sldMk cId="2435411237" sldId="256"/>
+            <ac:spMk id="61" creationId="{93483742-EFD4-41A6-9625-6818F415FE14}"/>
+          </ac:spMkLst>
+        </pc:spChg>
+      </pc:sldChg>
+    </pc:docChg>
+  </pc:docChgLst>
+  <pc:docChgLst>
+    <pc:chgData name="Bonney, Kirk Lane" userId="S::klbonne@sandia.gov::7ec7e2e5-322f-4962-a755-75060357d6d4" providerId="AD" clId="Web-{ECD6A3DF-B846-7460-FCDE-F2C6D1B7E9D3}"/>
+    <pc:docChg chg="modSld">
+      <pc:chgData name="Bonney, Kirk Lane" userId="S::klbonne@sandia.gov::7ec7e2e5-322f-4962-a755-75060357d6d4" providerId="AD" clId="Web-{ECD6A3DF-B846-7460-FCDE-F2C6D1B7E9D3}" dt="2025-01-06T21:25:17.945" v="10" actId="20577"/>
+      <pc:docMkLst>
+        <pc:docMk/>
+      </pc:docMkLst>
+      <pc:sldChg chg="modSp">
+        <pc:chgData name="Bonney, Kirk Lane" userId="S::klbonne@sandia.gov::7ec7e2e5-322f-4962-a755-75060357d6d4" providerId="AD" clId="Web-{ECD6A3DF-B846-7460-FCDE-F2C6D1B7E9D3}" dt="2025-01-06T21:25:17.945" v="10" actId="20577"/>
+        <pc:sldMkLst>
+          <pc:docMk/>
+          <pc:sldMk cId="2435411237" sldId="256"/>
+        </pc:sldMkLst>
+        <pc:spChg chg="mod">
+          <ac:chgData name="Bonney, Kirk Lane" userId="S::klbonne@sandia.gov::7ec7e2e5-322f-4962-a755-75060357d6d4" providerId="AD" clId="Web-{ECD6A3DF-B846-7460-FCDE-F2C6D1B7E9D3}" dt="2025-01-06T21:25:17.945" v="10" actId="20577"/>
+          <ac:spMkLst>
+            <pc:docMk/>
+            <pc:sldMk cId="2435411237" sldId="256"/>
+            <ac:spMk id="39" creationId="{00000000-0000-0000-0000-000000000000}"/>
+          </ac:spMkLst>
+        </pc:spChg>
+      </pc:sldChg>
+    </pc:docChg>
+  </pc:docChgLst>
+</pc:chgInfo>
+</file>
+
 <file path=ppt/slideLayouts/slideLayout1.xml><?xml version="1.0" encoding="utf-8"?>
 <p:sldLayout xmlns:a="http://schemas.openxmlformats.org/drawingml/2006/main" xmlns:r="http://schemas.openxmlformats.org/officeDocument/2006/relationships" xmlns:p="http://schemas.openxmlformats.org/presentationml/2006/main" type="title" preserve="1">
   <p:cSld name="Title Slide">
@@ -157,7 +290,6 @@
               <a:rPr lang="en-US"/>
               <a:t>Click to edit Master title style</a:t>
             </a:r>
-            <a:endParaRPr lang="en-US" dirty="0"/>
           </a:p>
         </p:txBody>
       </p:sp>
@@ -222,7 +354,6 @@
               <a:rPr lang="en-US"/>
               <a:t>Click to edit Master subtitle style</a:t>
             </a:r>
-            <a:endParaRPr lang="en-US" dirty="0"/>
           </a:p>
         </p:txBody>
       </p:sp>
@@ -243,7 +374,7 @@
           <a:p>
             <a:fld id="{78AFBD30-E760-4572-B462-738943907F1A}" type="datetimeFigureOut">
               <a:rPr lang="en-US" smtClean="0"/>
-              <a:t>2/29/2024</a:t>
+              <a:t>1/6/2025</a:t>
             </a:fld>
             <a:endParaRPr lang="en-US"/>
           </a:p>
@@ -340,7 +471,6 @@
               <a:rPr lang="en-US"/>
               <a:t>Click to edit Master title style</a:t>
             </a:r>
-            <a:endParaRPr lang="en-US" dirty="0"/>
           </a:p>
         </p:txBody>
       </p:sp>
@@ -392,7 +522,6 @@
               <a:rPr lang="en-US"/>
               <a:t>Fifth level</a:t>
             </a:r>
-            <a:endParaRPr lang="en-US" dirty="0"/>
           </a:p>
         </p:txBody>
       </p:sp>
@@ -413,7 +542,7 @@
           <a:p>
             <a:fld id="{78AFBD30-E760-4572-B462-738943907F1A}" type="datetimeFigureOut">
               <a:rPr lang="en-US" smtClean="0"/>
-              <a:t>2/29/2024</a:t>
+              <a:t>1/6/2025</a:t>
             </a:fld>
             <a:endParaRPr lang="en-US"/>
           </a:p>
@@ -515,7 +644,6 @@
               <a:rPr lang="en-US"/>
               <a:t>Click to edit Master title style</a:t>
             </a:r>
-            <a:endParaRPr lang="en-US" dirty="0"/>
           </a:p>
         </p:txBody>
       </p:sp>
@@ -572,7 +700,6 @@
               <a:rPr lang="en-US"/>
               <a:t>Fifth level</a:t>
             </a:r>
-            <a:endParaRPr lang="en-US" dirty="0"/>
           </a:p>
         </p:txBody>
       </p:sp>
@@ -593,7 +720,7 @@
           <a:p>
             <a:fld id="{78AFBD30-E760-4572-B462-738943907F1A}" type="datetimeFigureOut">
               <a:rPr lang="en-US" smtClean="0"/>
-              <a:t>2/29/2024</a:t>
+              <a:t>1/6/2025</a:t>
             </a:fld>
             <a:endParaRPr lang="en-US"/>
           </a:p>
@@ -690,7 +817,6 @@
               <a:rPr lang="en-US"/>
               <a:t>Click to edit Master title style</a:t>
             </a:r>
-            <a:endParaRPr lang="en-US" dirty="0"/>
           </a:p>
         </p:txBody>
       </p:sp>
@@ -742,7 +868,6 @@
               <a:rPr lang="en-US"/>
               <a:t>Fifth level</a:t>
             </a:r>
-            <a:endParaRPr lang="en-US" dirty="0"/>
           </a:p>
         </p:txBody>
       </p:sp>
@@ -763,7 +888,7 @@
           <a:p>
             <a:fld id="{78AFBD30-E760-4572-B462-738943907F1A}" type="datetimeFigureOut">
               <a:rPr lang="en-US" smtClean="0"/>
-              <a:t>2/29/2024</a:t>
+              <a:t>1/6/2025</a:t>
             </a:fld>
             <a:endParaRPr lang="en-US"/>
           </a:p>
@@ -869,7 +994,6 @@
               <a:rPr lang="en-US"/>
               <a:t>Click to edit Master title style</a:t>
             </a:r>
-            <a:endParaRPr lang="en-US" dirty="0"/>
           </a:p>
         </p:txBody>
       </p:sp>
@@ -1007,7 +1131,7 @@
           <a:p>
             <a:fld id="{78AFBD30-E760-4572-B462-738943907F1A}" type="datetimeFigureOut">
               <a:rPr lang="en-US" smtClean="0"/>
-              <a:t>2/29/2024</a:t>
+              <a:t>1/6/2025</a:t>
             </a:fld>
             <a:endParaRPr lang="en-US"/>
           </a:p>
@@ -1104,7 +1228,6 @@
               <a:rPr lang="en-US"/>
               <a:t>Click to edit Master title style</a:t>
             </a:r>
-            <a:endParaRPr lang="en-US" dirty="0"/>
           </a:p>
         </p:txBody>
       </p:sp>
@@ -1161,7 +1284,6 @@
               <a:rPr lang="en-US"/>
               <a:t>Fifth level</a:t>
             </a:r>
-            <a:endParaRPr lang="en-US" dirty="0"/>
           </a:p>
         </p:txBody>
       </p:sp>
@@ -1218,7 +1340,6 @@
               <a:rPr lang="en-US"/>
               <a:t>Fifth level</a:t>
             </a:r>
-            <a:endParaRPr lang="en-US" dirty="0"/>
           </a:p>
         </p:txBody>
       </p:sp>
@@ -1239,7 +1360,7 @@
           <a:p>
             <a:fld id="{78AFBD30-E760-4572-B462-738943907F1A}" type="datetimeFigureOut">
               <a:rPr lang="en-US" smtClean="0"/>
-              <a:t>2/29/2024</a:t>
+              <a:t>1/6/2025</a:t>
             </a:fld>
             <a:endParaRPr lang="en-US"/>
           </a:p>
@@ -1341,7 +1462,6 @@
               <a:rPr lang="en-US"/>
               <a:t>Click to edit Master title style</a:t>
             </a:r>
-            <a:endParaRPr lang="en-US" dirty="0"/>
           </a:p>
         </p:txBody>
       </p:sp>
@@ -1463,7 +1583,6 @@
               <a:rPr lang="en-US"/>
               <a:t>Fifth level</a:t>
             </a:r>
-            <a:endParaRPr lang="en-US" dirty="0"/>
           </a:p>
         </p:txBody>
       </p:sp>
@@ -1585,7 +1704,6 @@
               <a:rPr lang="en-US"/>
               <a:t>Fifth level</a:t>
             </a:r>
-            <a:endParaRPr lang="en-US" dirty="0"/>
           </a:p>
         </p:txBody>
       </p:sp>
@@ -1606,7 +1724,7 @@
           <a:p>
             <a:fld id="{78AFBD30-E760-4572-B462-738943907F1A}" type="datetimeFigureOut">
               <a:rPr lang="en-US" smtClean="0"/>
-              <a:t>2/29/2024</a:t>
+              <a:t>1/6/2025</a:t>
             </a:fld>
             <a:endParaRPr lang="en-US"/>
           </a:p>
@@ -1703,7 +1821,6 @@
               <a:rPr lang="en-US"/>
               <a:t>Click to edit Master title style</a:t>
             </a:r>
-            <a:endParaRPr lang="en-US" dirty="0"/>
           </a:p>
         </p:txBody>
       </p:sp>
@@ -1724,7 +1841,7 @@
           <a:p>
             <a:fld id="{78AFBD30-E760-4572-B462-738943907F1A}" type="datetimeFigureOut">
               <a:rPr lang="en-US" smtClean="0"/>
-              <a:t>2/29/2024</a:t>
+              <a:t>1/6/2025</a:t>
             </a:fld>
             <a:endParaRPr lang="en-US"/>
           </a:p>
@@ -1819,7 +1936,7 @@
           <a:p>
             <a:fld id="{78AFBD30-E760-4572-B462-738943907F1A}" type="datetimeFigureOut">
               <a:rPr lang="en-US" smtClean="0"/>
-              <a:t>2/29/2024</a:t>
+              <a:t>1/6/2025</a:t>
             </a:fld>
             <a:endParaRPr lang="en-US"/>
           </a:p>
@@ -1925,7 +2042,6 @@
               <a:rPr lang="en-US"/>
               <a:t>Click to edit Master title style</a:t>
             </a:r>
-            <a:endParaRPr lang="en-US" dirty="0"/>
           </a:p>
         </p:txBody>
       </p:sp>
@@ -2010,7 +2126,6 @@
               <a:rPr lang="en-US"/>
               <a:t>Fifth level</a:t>
             </a:r>
-            <a:endParaRPr lang="en-US" dirty="0"/>
           </a:p>
         </p:txBody>
       </p:sp>
@@ -2096,7 +2211,7 @@
           <a:p>
             <a:fld id="{78AFBD30-E760-4572-B462-738943907F1A}" type="datetimeFigureOut">
               <a:rPr lang="en-US" smtClean="0"/>
-              <a:t>2/29/2024</a:t>
+              <a:t>1/6/2025</a:t>
             </a:fld>
             <a:endParaRPr lang="en-US"/>
           </a:p>
@@ -2202,7 +2317,6 @@
               <a:rPr lang="en-US"/>
               <a:t>Click to edit Master title style</a:t>
             </a:r>
-            <a:endParaRPr lang="en-US" dirty="0"/>
           </a:p>
         </p:txBody>
       </p:sp>
@@ -2267,7 +2381,6 @@
               <a:rPr lang="en-US"/>
               <a:t>Click icon to add picture</a:t>
             </a:r>
-            <a:endParaRPr lang="en-US" dirty="0"/>
           </a:p>
         </p:txBody>
       </p:sp>
@@ -2353,7 +2466,7 @@
           <a:p>
             <a:fld id="{78AFBD30-E760-4572-B462-738943907F1A}" type="datetimeFigureOut">
               <a:rPr lang="en-US" smtClean="0"/>
-              <a:t>2/29/2024</a:t>
+              <a:t>1/6/2025</a:t>
             </a:fld>
             <a:endParaRPr lang="en-US"/>
           </a:p>
@@ -2465,7 +2578,6 @@
               <a:rPr lang="en-US"/>
               <a:t>Click to edit Master title style</a:t>
             </a:r>
-            <a:endParaRPr lang="en-US" dirty="0"/>
           </a:p>
         </p:txBody>
       </p:sp>
@@ -2527,7 +2639,6 @@
               <a:rPr lang="en-US"/>
               <a:t>Fifth level</a:t>
             </a:r>
-            <a:endParaRPr lang="en-US" dirty="0"/>
           </a:p>
         </p:txBody>
       </p:sp>
@@ -2566,7 +2677,7 @@
           <a:p>
             <a:fld id="{78AFBD30-E760-4572-B462-738943907F1A}" type="datetimeFigureOut">
               <a:rPr lang="en-US" smtClean="0"/>
-              <a:t>2/29/2024</a:t>
+              <a:t>1/6/2025</a:t>
             </a:fld>
             <a:endParaRPr lang="en-US"/>
           </a:p>
@@ -3024,7 +3135,7 @@
           <a:lstStyle/>
           <a:p>
             <a:pPr algn="ctr"/>
-            <a:endParaRPr lang="en-US" dirty="0"/>
+            <a:endParaRPr lang="en-US"/>
           </a:p>
         </p:txBody>
       </p:sp>
@@ -3083,7 +3194,7 @@
               <a:defRPr/>
             </a:pPr>
             <a:r>
-              <a:rPr lang="en-US" sz="521" dirty="0"/>
+              <a:rPr lang="en-US" sz="521"/>
               <a:t> </a:t>
             </a:r>
           </a:p>
@@ -3113,7 +3224,7 @@
           <a:p>
             <a:pPr algn="ctr"/>
             <a:r>
-              <a:rPr lang="en-US" sz="3200" b="1" dirty="0"/>
+              <a:rPr lang="en-US" sz="3200" b="1"/>
               <a:t>Water Network Resilience Software</a:t>
             </a:r>
           </a:p>
@@ -3136,30 +3247,30 @@
           <a:noFill/>
         </p:spPr>
         <p:txBody>
-          <a:bodyPr wrap="square" rtlCol="0">
+          <a:bodyPr wrap="square" lIns="91440" tIns="45720" rIns="91440" bIns="45720" rtlCol="0" anchor="t">
             <a:spAutoFit/>
           </a:bodyPr>
           <a:lstStyle/>
           <a:p>
             <a:r>
-              <a:rPr lang="en-US" sz="1220" dirty="0"/>
+              <a:rPr lang="en-US" sz="1200"/>
               <a:t>The </a:t>
             </a:r>
             <a:r>
-              <a:rPr lang="en-US" sz="1220" b="1" dirty="0"/>
+              <a:rPr lang="en-US" sz="1200" b="1"/>
               <a:t>Water Network Tool for Resilience (WNTR) </a:t>
             </a:r>
             <a:r>
-              <a:rPr lang="en-US" sz="1220" dirty="0"/>
-              <a:t>is an open source Python package designed to simulate and analyze resilience of water distribution systems. The United States Environmental Protection Agency, in partnership with Sandia National Laboratories, developed WNTR to integrate critical aspects of resilience modeling for water distribution systems into a single software framework.</a:t>
-            </a:r>
-          </a:p>
-          <a:p>
-            <a:endParaRPr lang="en-US" sz="1220" dirty="0"/>
-          </a:p>
-          <a:p>
-            <a:r>
-              <a:rPr lang="en-US" sz="1220" dirty="0"/>
+              <a:rPr lang="en-US" sz="1200"/>
+              <a:t>is an open source Python package designed to simulate and analyze resilience of water distribution systems. The United States Environmental Protection Agency, in partnership with Sandia National Laboratories, developed WNTR to integrate multiple critical aspects of resilience modeling for water distribution systems into a single software framework.</a:t>
+            </a:r>
+          </a:p>
+          <a:p>
+            <a:endParaRPr lang="en-US" sz="1220"/>
+          </a:p>
+          <a:p>
+            <a:r>
+              <a:rPr lang="en-US" sz="1220"/>
               <a:t>The software includes capability to:</a:t>
             </a:r>
           </a:p>
@@ -3169,9 +3280,13 @@
               <a:buChar char="•"/>
             </a:pPr>
             <a:r>
-              <a:rPr lang="en-US" sz="1220" dirty="0"/>
-              <a:t>Generate water network models</a:t>
-            </a:r>
+              <a:rPr lang="en-US" sz="1200"/>
+              <a:t>Build water network models</a:t>
+            </a:r>
+            <a:endParaRPr lang="en-US" sz="1200">
+              <a:ea typeface="Calibri"/>
+              <a:cs typeface="Calibri"/>
+            </a:endParaRPr>
           </a:p>
           <a:p>
             <a:pPr marL="285750" indent="-285750">
@@ -3179,7 +3294,7 @@
               <a:buChar char="•"/>
             </a:pPr>
             <a:r>
-              <a:rPr lang="en-US" sz="1220" dirty="0"/>
+              <a:rPr lang="en-US" sz="1220"/>
               <a:t>Integrate GIS data into models and analysis</a:t>
             </a:r>
           </a:p>
@@ -3189,7 +3304,7 @@
               <a:buChar char="•"/>
             </a:pPr>
             <a:r>
-              <a:rPr lang="en-US" sz="1220" dirty="0"/>
+              <a:rPr lang="en-US" sz="1220"/>
               <a:t>Modify network structure and operations</a:t>
             </a:r>
           </a:p>
@@ -3199,7 +3314,7 @@
               <a:buChar char="•"/>
             </a:pPr>
             <a:r>
-              <a:rPr lang="en-US" sz="1220" dirty="0"/>
+              <a:rPr lang="en-US" sz="1220"/>
               <a:t>Assign fragility and survival curves to network components</a:t>
             </a:r>
           </a:p>
@@ -3209,7 +3324,7 @@
               <a:buChar char="•"/>
             </a:pPr>
             <a:r>
-              <a:rPr lang="en-US" sz="1220" dirty="0"/>
+              <a:rPr lang="en-US" sz="1220"/>
               <a:t>Model disruptive events such as power outages, earthquakes, fires, pipe breaks,  and contamination incidents</a:t>
             </a:r>
           </a:p>
@@ -3219,7 +3334,7 @@
               <a:buChar char="•"/>
             </a:pPr>
             <a:r>
-              <a:rPr lang="en-US" sz="1220" dirty="0"/>
+              <a:rPr lang="en-US" sz="1220"/>
               <a:t>Model response and repair strategies</a:t>
             </a:r>
           </a:p>
@@ -3229,7 +3344,7 @@
               <a:buChar char="•"/>
             </a:pPr>
             <a:r>
-              <a:rPr lang="en-US" sz="1220" dirty="0"/>
+              <a:rPr lang="en-US" sz="1220"/>
               <a:t>Simulate hydraulics and water quality</a:t>
             </a:r>
           </a:p>
@@ -3239,7 +3354,7 @@
               <a:buChar char="•"/>
             </a:pPr>
             <a:r>
-              <a:rPr lang="en-US" sz="1220" dirty="0"/>
+              <a:rPr lang="en-US" sz="1220"/>
               <a:t>Evaluate resilience using a wide range of metrics</a:t>
             </a:r>
           </a:p>
@@ -3249,7 +3364,7 @@
               <a:buChar char="•"/>
             </a:pPr>
             <a:r>
-              <a:rPr lang="en-US" sz="1220" dirty="0"/>
+              <a:rPr lang="en-US" sz="1220"/>
               <a:t>Integrate dependency with other critical infrastructure and supply chains</a:t>
             </a:r>
           </a:p>
@@ -3259,84 +3374,80 @@
               <a:buChar char="•"/>
             </a:pPr>
             <a:r>
-              <a:rPr lang="en-US" sz="1220" dirty="0"/>
+              <a:rPr lang="en-US" sz="1220"/>
               <a:t>Analyze results and generate graphics</a:t>
             </a:r>
           </a:p>
           <a:p>
-            <a:endParaRPr lang="en-US" sz="1220" dirty="0"/>
-          </a:p>
-          <a:p>
-            <a:r>
-              <a:rPr lang="en-US" sz="1220" dirty="0"/>
-              <a:t>WNTR can be used to estimate infrastructure damage, evaluate preparedness strategies, prioritize response actions, and identify worse case scenarios and best practices for maintenance and operations. WNTR can be installed through the United States Environmental Protection Agency GitHub site at </a:t>
-            </a:r>
-            <a:r>
-              <a:rPr lang="en-US" sz="1220" dirty="0">
+            <a:endParaRPr lang="en-US" sz="1220"/>
+          </a:p>
+          <a:p>
+            <a:r>
+              <a:rPr lang="en-US" sz="1200"/>
+              <a:t>WNTR can be used to estimate infrastructure damage, evaluate preparedness strategies, prioritize response actions, and identify worst case scenarios and best practices for maintenance and operations. WNTR can be installed through the United States Environmental Protection Agency GitHub site at </a:t>
+            </a:r>
+            <a:r>
+              <a:rPr lang="en-US" sz="1200">
                 <a:hlinkClick r:id="rId2"/>
               </a:rPr>
               <a:t>https://github.com/USEPA/WNTR</a:t>
             </a:r>
             <a:r>
-              <a:rPr lang="en-US" sz="1220" dirty="0"/>
+              <a:rPr lang="en-US" sz="1200"/>
               <a:t>.  Documentation is available at </a:t>
             </a:r>
             <a:r>
-              <a:rPr lang="en-US" sz="1220" dirty="0">
+              <a:rPr lang="en-US" sz="1200">
                 <a:hlinkClick r:id="rId3"/>
               </a:rPr>
               <a:t>https://usepa.github.io/WNTR/</a:t>
             </a:r>
             <a:r>
-              <a:rPr lang="en-US" sz="1220" dirty="0"/>
+              <a:rPr lang="en-US" sz="1200"/>
               <a:t>.</a:t>
             </a:r>
-          </a:p>
-          <a:p>
-            <a:endParaRPr lang="en-US" sz="1220" dirty="0"/>
-          </a:p>
-          <a:p>
-            <a:r>
-              <a:rPr lang="en-US" sz="1220" dirty="0"/>
+            <a:endParaRPr lang="en-US" sz="1200">
+              <a:ea typeface="Calibri"/>
+              <a:cs typeface="Calibri"/>
+            </a:endParaRPr>
+          </a:p>
+          <a:p>
+            <a:endParaRPr lang="en-US" sz="1220"/>
+          </a:p>
+          <a:p>
+            <a:r>
+              <a:rPr lang="en-US" sz="1220"/>
               <a:t>For more information or to conduct a case study, contact:</a:t>
             </a:r>
           </a:p>
           <a:p>
             <a:r>
-              <a:rPr lang="en-US" sz="1220" dirty="0"/>
+              <a:rPr lang="en-US" sz="1220"/>
               <a:t>	Katherine Klise, </a:t>
             </a:r>
             <a:r>
-              <a:rPr lang="en-US" sz="1220" dirty="0">
+              <a:rPr lang="en-US" sz="1220">
                 <a:hlinkClick r:id="rId4"/>
               </a:rPr>
               <a:t>kaklise@sandia.gov</a:t>
             </a:r>
-            <a:endParaRPr lang="en-US" sz="1220" dirty="0"/>
-          </a:p>
-          <a:p>
-            <a:r>
-              <a:rPr lang="en-US" sz="1220" dirty="0"/>
-              <a:t>	Terra </a:t>
-            </a:r>
-            <a:r>
-              <a:rPr lang="en-US" sz="1220" dirty="0" err="1"/>
-              <a:t>Haxton</a:t>
-            </a:r>
-            <a:r>
-              <a:rPr lang="en-US" sz="1220" dirty="0"/>
-              <a:t>, </a:t>
-            </a:r>
-            <a:r>
-              <a:rPr lang="en-US" sz="1220" dirty="0">
+            <a:endParaRPr lang="en-US" sz="1220"/>
+          </a:p>
+          <a:p>
+            <a:r>
+              <a:rPr lang="en-US" sz="1200"/>
+              <a:t>	Terra Haxton, </a:t>
+            </a:r>
+            <a:r>
+              <a:rPr lang="en-US" sz="1200">
                 <a:hlinkClick r:id="rId5"/>
               </a:rPr>
               <a:t>Haxton.Terra@epa.gov</a:t>
             </a:r>
-            <a:endParaRPr lang="en-US" sz="1220" dirty="0"/>
-          </a:p>
-          <a:p>
-            <a:endParaRPr lang="en-US" sz="1220" dirty="0"/>
+            <a:endParaRPr lang="en-US" sz="1200"/>
+          </a:p>
+          <a:p>
+            <a:endParaRPr lang="en-US" sz="1220"/>
           </a:p>
         </p:txBody>
       </p:sp>
@@ -3348,8 +3459,8 @@
         </p:nvSpPr>
         <p:spPr>
           <a:xfrm>
-            <a:off x="318654" y="1111796"/>
-            <a:ext cx="7295125" cy="1218795"/>
+            <a:off x="285998" y="1111796"/>
+            <a:ext cx="7131839" cy="1218795"/>
           </a:xfrm>
           <a:prstGeom prst="rect">
             <a:avLst/>
@@ -3357,14 +3468,14 @@
           <a:noFill/>
         </p:spPr>
         <p:txBody>
-          <a:bodyPr wrap="square" rtlCol="0">
+          <a:bodyPr wrap="square" lIns="91440" tIns="45720" rIns="91440" bIns="45720" rtlCol="0" anchor="t">
             <a:spAutoFit/>
           </a:bodyPr>
           <a:lstStyle/>
           <a:p>
             <a:r>
-              <a:rPr lang="en-US" sz="1220" dirty="0"/>
-              <a:t>Drinking water distribution systems face multiple challenges, including aging infrastructure, water quality concerns, pipe breaks, uncertainty in supply and demand, natural disasters, environmental emergencies, and terrorist attacks. All of these have the potential to disrupt a large portion of a water network. Increasing resilience to these types of hazards is essential to improving water security. Simulation and analysis tools can help water utilities predict how their system will respond to expected, and unexpected, incidents and help inform decisions to make water distribution networks more resilient over time.</a:t>
+              <a:rPr lang="en-US" sz="1200" dirty="0"/>
+              <a:t>Drinking water distribution systems face multiple challenges, including aging infrastructure, water quality concerns, pipe breaks, uncertainty in supply and demand, natural disasters, environmental emergencies, and targeted attacks. All of these have the potential to disrupt a large portion of a water network. Increasing resilience to these types of hazards is essential to improving water security. Simulation and analysis can help water utilities predict how their system will respond to both expected and unexpected incidents and help inform decisions to make water distribution networks more resilient over time.</a:t>
             </a:r>
           </a:p>
         </p:txBody>
@@ -3570,7 +3681,7 @@
             <a:pPr algn="ctr">
               <a:defRPr/>
             </a:pPr>
-            <a:endParaRPr lang="en-US" sz="3500" dirty="0"/>
+            <a:endParaRPr lang="en-US" sz="3500"/>
           </a:p>
         </p:txBody>
       </p:sp>
@@ -3617,7 +3728,7 @@
             <a:pPr algn="ctr">
               <a:defRPr/>
             </a:pPr>
-            <a:endParaRPr lang="en-US" dirty="0"/>
+            <a:endParaRPr lang="en-US"/>
           </a:p>
         </p:txBody>
       </p:sp>
@@ -3726,7 +3837,7 @@
               </a:spcBef>
             </a:pPr>
             <a:r>
-              <a:rPr lang="en-US" sz="2400" b="1" dirty="0">
+              <a:rPr lang="en-US" sz="2400" b="1">
                 <a:solidFill>
                   <a:schemeClr val="bg1"/>
                 </a:solidFill>
@@ -3830,7 +3941,7 @@
             <a:pPr algn="ctr">
               <a:defRPr/>
             </a:pPr>
-            <a:endParaRPr lang="en-US" dirty="0"/>
+            <a:endParaRPr lang="en-US"/>
           </a:p>
         </p:txBody>
       </p:sp>
@@ -3858,7 +3969,7 @@
           <a:p>
             <a:pPr algn="ctr"/>
             <a:r>
-              <a:rPr lang="en-US" sz="800" dirty="0"/>
+              <a:rPr lang="en-US" sz="800"/>
               <a:t>Statistical prediction of water service availability</a:t>
             </a:r>
           </a:p>
@@ -3923,7 +4034,7 @@
           <a:p>
             <a:pPr algn="ctr"/>
             <a:r>
-              <a:rPr lang="en-US" sz="800" dirty="0"/>
+              <a:rPr lang="en-US" sz="800"/>
               <a:t>Epicenter</a:t>
             </a:r>
           </a:p>
@@ -3953,7 +4064,7 @@
           <a:p>
             <a:pPr algn="ctr"/>
             <a:r>
-              <a:rPr lang="en-US" sz="800" dirty="0"/>
+              <a:rPr lang="en-US" sz="800"/>
               <a:t>Simulated peak ground acceleration from an earthquake</a:t>
             </a:r>
           </a:p>
@@ -3985,7 +4096,7 @@
           <a:p>
             <a:pPr algn="ctr"/>
             <a:r>
-              <a:rPr lang="en-US" sz="800" dirty="0"/>
+              <a:rPr lang="en-US" sz="800"/>
               <a:t>Fragility curves for tank damage</a:t>
             </a:r>
           </a:p>
@@ -4056,15 +4167,15 @@
               <a:defRPr/>
             </a:pPr>
             <a:r>
-              <a:rPr lang="en-US" sz="900" baseline="30000" dirty="0"/>
+              <a:rPr lang="en-US" sz="900" baseline="30000"/>
               <a:t>Sandia National Laboratories is a </a:t>
             </a:r>
             <a:r>
-              <a:rPr lang="en-US" sz="900" baseline="30000" dirty="0" err="1"/>
+              <a:rPr lang="en-US" sz="900" baseline="30000" err="1"/>
               <a:t>multimission</a:t>
             </a:r>
             <a:r>
-              <a:rPr lang="en-US" sz="900" baseline="30000" dirty="0"/>
+              <a:rPr lang="en-US" sz="900" baseline="30000"/>
               <a:t> laboratory managed and operated by National Technology and Engineering Solutions of Sandia LLC, a wholly owned subsidiary of Honeywell International Inc. for the U.S. Department of Energy’s National Nuclear Security Administration under contract DE-NA0003525. SAND2017-13459</a:t>
             </a:r>
           </a:p>
@@ -4172,7 +4283,7 @@
         </p:nvSpPr>
         <p:spPr>
           <a:xfrm>
-            <a:off x="4040838" y="3889006"/>
+            <a:off x="4040838" y="3948877"/>
             <a:ext cx="1014984" cy="457200"/>
           </a:xfrm>
           <a:prstGeom prst="roundRect">
@@ -4214,7 +4325,7 @@
           <a:p>
             <a:pPr lvl="0" algn="ctr"/>
             <a:r>
-              <a:rPr lang="en-US" sz="1000" b="1" dirty="0">
+              <a:rPr lang="en-US" sz="1000" b="1">
                 <a:solidFill>
                   <a:schemeClr val="tx1"/>
                 </a:solidFill>
@@ -4222,7 +4333,7 @@
               <a:t>Earthquakes </a:t>
             </a:r>
             <a:r>
-              <a:rPr lang="en-US" sz="1000" b="1" i="1" dirty="0">
+              <a:rPr lang="en-US" sz="1000" b="1" i="1">
                 <a:solidFill>
                   <a:schemeClr val="tx1"/>
                 </a:solidFill>
@@ -4246,7 +4357,7 @@
         </p:nvSpPr>
         <p:spPr>
           <a:xfrm>
-            <a:off x="5143880" y="3889006"/>
+            <a:off x="5143880" y="3948877"/>
             <a:ext cx="1014984" cy="457200"/>
           </a:xfrm>
           <a:prstGeom prst="roundRect">
@@ -4288,7 +4399,7 @@
           <a:p>
             <a:pPr lvl="0" algn="ctr"/>
             <a:r>
-              <a:rPr lang="en-US" sz="1000" b="1" dirty="0">
+              <a:rPr lang="en-US" sz="1000" b="1">
                 <a:solidFill>
                   <a:schemeClr val="tx1"/>
                 </a:solidFill>
@@ -4312,7 +4423,7 @@
         </p:nvSpPr>
         <p:spPr>
           <a:xfrm>
-            <a:off x="5666142" y="3326475"/>
+            <a:off x="5666142" y="3386346"/>
             <a:ext cx="1371599" cy="457200"/>
           </a:xfrm>
           <a:prstGeom prst="roundRect">
@@ -4349,25 +4460,17 @@
           </a:fontRef>
         </p:style>
         <p:txBody>
-          <a:bodyPr rtlCol="0" anchor="ctr"/>
+          <a:bodyPr lIns="91440" tIns="45720" rIns="91440" bIns="45720" rtlCol="0" anchor="ctr"/>
           <a:lstStyle/>
           <a:p>
             <a:pPr lvl="0" algn="ctr"/>
             <a:r>
-              <a:rPr lang="en-US" sz="1000" b="1" dirty="0">
+              <a:rPr lang="en-US" sz="1000" b="1">
                 <a:solidFill>
                   <a:schemeClr val="tx1"/>
                 </a:solidFill>
               </a:rPr>
-              <a:t>Power Outage</a:t>
-            </a:r>
-            <a:r>
-              <a:rPr lang="en-US" sz="1000" b="1" i="1" dirty="0">
-                <a:solidFill>
-                  <a:schemeClr val="tx1"/>
-                </a:solidFill>
-              </a:rPr>
-              <a:t> and Black Sky Hazards</a:t>
+              <a:t>Power Outage and Black Sky Hazards</a:t>
             </a:r>
           </a:p>
         </p:txBody>
@@ -4386,7 +4489,7 @@
         </p:nvSpPr>
         <p:spPr>
           <a:xfrm>
-            <a:off x="4468753" y="4452389"/>
+            <a:off x="4468753" y="4512260"/>
             <a:ext cx="1188720" cy="457200"/>
           </a:xfrm>
           <a:prstGeom prst="roundRect">
@@ -4428,7 +4531,7 @@
           <a:p>
             <a:pPr lvl="0" algn="ctr"/>
             <a:r>
-              <a:rPr lang="en-US" sz="1000" b="1" dirty="0">
+              <a:rPr lang="en-US" sz="1000" b="1">
                 <a:solidFill>
                   <a:schemeClr val="tx1"/>
                 </a:solidFill>
@@ -4452,7 +4555,7 @@
         </p:nvSpPr>
         <p:spPr>
           <a:xfrm>
-            <a:off x="5746722" y="4452389"/>
+            <a:off x="5746722" y="4512260"/>
             <a:ext cx="1097280" cy="457200"/>
           </a:xfrm>
           <a:prstGeom prst="roundRect">
@@ -4494,7 +4597,7 @@
           <a:p>
             <a:pPr lvl="0" algn="ctr"/>
             <a:r>
-              <a:rPr lang="en-US" sz="1000" b="1" dirty="0">
+              <a:rPr lang="en-US" sz="1000" b="1">
                 <a:solidFill>
                   <a:schemeClr val="tx1"/>
                 </a:solidFill>
@@ -4505,7 +4608,7 @@
           <a:p>
             <a:pPr lvl="0" algn="ctr"/>
             <a:r>
-              <a:rPr lang="en-US" sz="1000" b="1" dirty="0">
+              <a:rPr lang="en-US" sz="1000" b="1">
                 <a:solidFill>
                   <a:schemeClr val="tx1"/>
                 </a:solidFill>
@@ -4529,7 +4632,7 @@
         </p:nvSpPr>
         <p:spPr>
           <a:xfrm>
-            <a:off x="4188755" y="3330543"/>
+            <a:off x="4188755" y="3390414"/>
             <a:ext cx="1371600" cy="457200"/>
           </a:xfrm>
           <a:prstGeom prst="roundRect">
@@ -4571,7 +4674,7 @@
           <a:p>
             <a:pPr lvl="0" algn="ctr"/>
             <a:r>
-              <a:rPr lang="en-US" sz="1000" b="1" dirty="0">
+              <a:rPr lang="en-US" sz="1000" b="1">
                 <a:solidFill>
                   <a:schemeClr val="tx1"/>
                 </a:solidFill>
@@ -4595,7 +4698,7 @@
         </p:nvSpPr>
         <p:spPr>
           <a:xfrm>
-            <a:off x="6246922" y="3883530"/>
+            <a:off x="6246922" y="3943401"/>
             <a:ext cx="1005840" cy="457200"/>
           </a:xfrm>
           <a:prstGeom prst="roundRect">
@@ -4637,7 +4740,7 @@
           <a:p>
             <a:pPr lvl="0" algn="ctr"/>
             <a:r>
-              <a:rPr lang="en-US" sz="1000" b="1" dirty="0">
+              <a:rPr lang="en-US" sz="1000" b="1">
                 <a:solidFill>
                   <a:schemeClr val="tx1"/>
                 </a:solidFill>
@@ -4676,7 +4779,7 @@
           <a:lstStyle/>
           <a:p>
             <a:r>
-              <a:rPr lang="en-US" sz="1000" dirty="0">
+              <a:rPr lang="en-US" sz="1000">
                 <a:solidFill>
                   <a:srgbClr val="0070C0"/>
                 </a:solidFill>
@@ -4700,8 +4803,8 @@
         </p:nvSpPr>
         <p:spPr>
           <a:xfrm>
-            <a:off x="3987050" y="3029159"/>
-            <a:ext cx="3314664" cy="246221"/>
+            <a:off x="3987050" y="2974730"/>
+            <a:ext cx="3314664" cy="400110"/>
           </a:xfrm>
           <a:prstGeom prst="rect">
             <a:avLst/>
@@ -4709,20 +4812,27 @@
           <a:noFill/>
         </p:spPr>
         <p:txBody>
-          <a:bodyPr wrap="square" rtlCol="0">
+          <a:bodyPr wrap="square" lIns="91440" tIns="45720" rIns="91440" bIns="45720" rtlCol="0" anchor="t">
             <a:spAutoFit/>
           </a:bodyPr>
           <a:lstStyle/>
           <a:p>
             <a:pPr algn="ctr"/>
             <a:r>
-              <a:rPr lang="en-US" sz="1000" dirty="0">
+              <a:rPr lang="en-US" sz="1000">
                 <a:solidFill>
                   <a:srgbClr val="0070C0"/>
                 </a:solidFill>
               </a:rPr>
-              <a:t>Simulate and analyze water distribution system resilience</a:t>
-            </a:r>
+              <a:t>WNTR can simulate diverse hazards to analyze water distribution system resilience</a:t>
+            </a:r>
+            <a:endParaRPr lang="en-US" sz="1000">
+              <a:solidFill>
+                <a:srgbClr val="0070C0"/>
+              </a:solidFill>
+              <a:ea typeface="Calibri"/>
+              <a:cs typeface="Calibri"/>
+            </a:endParaRPr>
           </a:p>
         </p:txBody>
       </p:sp>
@@ -5043,10 +5153,264 @@
 </EsriMapsInfo>
 </file>
 
+<file path=customXml/item2.xml><?xml version="1.0" encoding="utf-8"?>
+<ct:contentTypeSchema xmlns:ct="http://schemas.microsoft.com/office/2006/metadata/contentType" xmlns:ma="http://schemas.microsoft.com/office/2006/metadata/properties/metaAttributes" ct:_="" ma:_="" ma:contentTypeName="Document" ma:contentTypeID="0x010100AC28686FBD4338489595DD7413329EE0" ma:contentTypeVersion="10" ma:contentTypeDescription="Create a new document." ma:contentTypeScope="" ma:versionID="efe20889d221db7351fa9f9f793f0500">
+  <xsd:schema xmlns:xsd="http://www.w3.org/2001/XMLSchema" xmlns:xs="http://www.w3.org/2001/XMLSchema" xmlns:p="http://schemas.microsoft.com/office/2006/metadata/properties" xmlns:ns2="d50414f6-37ad-4088-828c-17732dfcb590" xmlns:ns3="b6537b32-d7a3-445d-a13e-f5ee99b6d44a" targetNamespace="http://schemas.microsoft.com/office/2006/metadata/properties" ma:root="true" ma:fieldsID="b74ad9af483442c1d01e11d21c2dc391" ns2:_="" ns3:_="">
+    <xsd:import namespace="d50414f6-37ad-4088-828c-17732dfcb590"/>
+    <xsd:import namespace="b6537b32-d7a3-445d-a13e-f5ee99b6d44a"/>
+    <xsd:element name="properties">
+      <xsd:complexType>
+        <xsd:sequence>
+          <xsd:element name="documentManagement">
+            <xsd:complexType>
+              <xsd:all>
+                <xsd:element ref="ns2:MediaServiceMetadata" minOccurs="0"/>
+                <xsd:element ref="ns2:MediaServiceFastMetadata" minOccurs="0"/>
+                <xsd:element ref="ns2:MediaServiceAutoTags" minOccurs="0"/>
+                <xsd:element ref="ns2:MediaServiceGenerationTime" minOccurs="0"/>
+                <xsd:element ref="ns2:MediaServiceEventHashCode" minOccurs="0"/>
+                <xsd:element ref="ns2:MediaServiceOCR" minOccurs="0"/>
+                <xsd:element ref="ns2:MediaServiceObjectDetectorVersions" minOccurs="0"/>
+                <xsd:element ref="ns2:MediaServiceSearchProperties" minOccurs="0"/>
+                <xsd:element ref="ns3:SharedWithUsers" minOccurs="0"/>
+                <xsd:element ref="ns3:SharedWithDetails" minOccurs="0"/>
+              </xsd:all>
+            </xsd:complexType>
+          </xsd:element>
+        </xsd:sequence>
+      </xsd:complexType>
+    </xsd:element>
+  </xsd:schema>
+  <xsd:schema xmlns:xsd="http://www.w3.org/2001/XMLSchema" xmlns:xs="http://www.w3.org/2001/XMLSchema" xmlns:dms="http://schemas.microsoft.com/office/2006/documentManagement/types" xmlns:pc="http://schemas.microsoft.com/office/infopath/2007/PartnerControls" targetNamespace="d50414f6-37ad-4088-828c-17732dfcb590" elementFormDefault="qualified">
+    <xsd:import namespace="http://schemas.microsoft.com/office/2006/documentManagement/types"/>
+    <xsd:import namespace="http://schemas.microsoft.com/office/infopath/2007/PartnerControls"/>
+    <xsd:element name="MediaServiceMetadata" ma:index="8" nillable="true" ma:displayName="MediaServiceMetadata" ma:hidden="true" ma:internalName="MediaServiceMetadata" ma:readOnly="true">
+      <xsd:simpleType>
+        <xsd:restriction base="dms:Note"/>
+      </xsd:simpleType>
+    </xsd:element>
+    <xsd:element name="MediaServiceFastMetadata" ma:index="9" nillable="true" ma:displayName="MediaServiceFastMetadata" ma:hidden="true" ma:internalName="MediaServiceFastMetadata" ma:readOnly="true">
+      <xsd:simpleType>
+        <xsd:restriction base="dms:Note"/>
+      </xsd:simpleType>
+    </xsd:element>
+    <xsd:element name="MediaServiceAutoTags" ma:index="10" nillable="true" ma:displayName="Tags" ma:internalName="MediaServiceAutoTags" ma:readOnly="true">
+      <xsd:simpleType>
+        <xsd:restriction base="dms:Text"/>
+      </xsd:simpleType>
+    </xsd:element>
+    <xsd:element name="MediaServiceGenerationTime" ma:index="11" nillable="true" ma:displayName="MediaServiceGenerationTime" ma:hidden="true" ma:internalName="MediaServiceGenerationTime" ma:readOnly="true">
+      <xsd:simpleType>
+        <xsd:restriction base="dms:Text"/>
+      </xsd:simpleType>
+    </xsd:element>
+    <xsd:element name="MediaServiceEventHashCode" ma:index="12" nillable="true" ma:displayName="MediaServiceEventHashCode" ma:hidden="true" ma:internalName="MediaServiceEventHashCode" ma:readOnly="true">
+      <xsd:simpleType>
+        <xsd:restriction base="dms:Text"/>
+      </xsd:simpleType>
+    </xsd:element>
+    <xsd:element name="MediaServiceOCR" ma:index="13" nillable="true" ma:displayName="Extracted Text" ma:internalName="MediaServiceOCR" ma:readOnly="true">
+      <xsd:simpleType>
+        <xsd:restriction base="dms:Note">
+          <xsd:maxLength value="255"/>
+        </xsd:restriction>
+      </xsd:simpleType>
+    </xsd:element>
+    <xsd:element name="MediaServiceObjectDetectorVersions" ma:index="14" nillable="true" ma:displayName="MediaServiceObjectDetectorVersions" ma:hidden="true" ma:indexed="true" ma:internalName="MediaServiceObjectDetectorVersions" ma:readOnly="true">
+      <xsd:simpleType>
+        <xsd:restriction base="dms:Text"/>
+      </xsd:simpleType>
+    </xsd:element>
+    <xsd:element name="MediaServiceSearchProperties" ma:index="15" nillable="true" ma:displayName="MediaServiceSearchProperties" ma:hidden="true" ma:internalName="MediaServiceSearchProperties" ma:readOnly="true">
+      <xsd:simpleType>
+        <xsd:restriction base="dms:Note"/>
+      </xsd:simpleType>
+    </xsd:element>
+  </xsd:schema>
+  <xsd:schema xmlns:xsd="http://www.w3.org/2001/XMLSchema" xmlns:xs="http://www.w3.org/2001/XMLSchema" xmlns:dms="http://schemas.microsoft.com/office/2006/documentManagement/types" xmlns:pc="http://schemas.microsoft.com/office/infopath/2007/PartnerControls" targetNamespace="b6537b32-d7a3-445d-a13e-f5ee99b6d44a" elementFormDefault="qualified">
+    <xsd:import namespace="http://schemas.microsoft.com/office/2006/documentManagement/types"/>
+    <xsd:import namespace="http://schemas.microsoft.com/office/infopath/2007/PartnerControls"/>
+    <xsd:element name="SharedWithUsers" ma:index="16" nillable="true" ma:displayName="Shared With" ma:internalName="SharedWithUsers" ma:readOnly="true">
+      <xsd:complexType>
+        <xsd:complexContent>
+          <xsd:extension base="dms:UserMulti">
+            <xsd:sequence>
+              <xsd:element name="UserInfo" minOccurs="0" maxOccurs="unbounded">
+                <xsd:complexType>
+                  <xsd:sequence>
+                    <xsd:element name="DisplayName" type="xsd:string" minOccurs="0"/>
+                    <xsd:element name="AccountId" type="dms:UserId" minOccurs="0" nillable="true"/>
+                    <xsd:element name="AccountType" type="xsd:string" minOccurs="0"/>
+                  </xsd:sequence>
+                </xsd:complexType>
+              </xsd:element>
+            </xsd:sequence>
+          </xsd:extension>
+        </xsd:complexContent>
+      </xsd:complexType>
+    </xsd:element>
+    <xsd:element name="SharedWithDetails" ma:index="17" nillable="true" ma:displayName="Shared With Details" ma:internalName="SharedWithDetails" ma:readOnly="true">
+      <xsd:simpleType>
+        <xsd:restriction base="dms:Note">
+          <xsd:maxLength value="255"/>
+        </xsd:restriction>
+      </xsd:simpleType>
+    </xsd:element>
+  </xsd:schema>
+  <xsd:schema xmlns="http://schemas.openxmlformats.org/package/2006/metadata/core-properties" xmlns:xsd="http://www.w3.org/2001/XMLSchema" xmlns:xsi="http://www.w3.org/2001/XMLSchema-instance" xmlns:dc="http://purl.org/dc/elements/1.1/" xmlns:dcterms="http://purl.org/dc/terms/" xmlns:odoc="http://schemas.microsoft.com/internal/obd" targetNamespace="http://schemas.openxmlformats.org/package/2006/metadata/core-properties" elementFormDefault="qualified" attributeFormDefault="unqualified" blockDefault="#all">
+    <xsd:import namespace="http://purl.org/dc/elements/1.1/" schemaLocation="http://dublincore.org/schemas/xmls/qdc/2003/04/02/dc.xsd"/>
+    <xsd:import namespace="http://purl.org/dc/terms/" schemaLocation="http://dublincore.org/schemas/xmls/qdc/2003/04/02/dcterms.xsd"/>
+    <xsd:element name="coreProperties" type="CT_coreProperties"/>
+    <xsd:complexType name="CT_coreProperties">
+      <xsd:all>
+        <xsd:element ref="dc:creator" minOccurs="0" maxOccurs="1"/>
+        <xsd:element ref="dcterms:created" minOccurs="0" maxOccurs="1"/>
+        <xsd:element ref="dc:identifier" minOccurs="0" maxOccurs="1"/>
+        <xsd:element name="contentType" minOccurs="0" maxOccurs="1" type="xsd:string" ma:index="0" ma:displayName="Content Type"/>
+        <xsd:element ref="dc:title" minOccurs="0" maxOccurs="1" ma:index="4" ma:displayName="Title"/>
+        <xsd:element ref="dc:subject" minOccurs="0" maxOccurs="1"/>
+        <xsd:element ref="dc:description" minOccurs="0" maxOccurs="1"/>
+        <xsd:element name="keywords" minOccurs="0" maxOccurs="1" type="xsd:string"/>
+        <xsd:element ref="dc:language" minOccurs="0" maxOccurs="1"/>
+        <xsd:element name="category" minOccurs="0" maxOccurs="1" type="xsd:string"/>
+        <xsd:element name="version" minOccurs="0" maxOccurs="1" type="xsd:string"/>
+        <xsd:element name="revision" minOccurs="0" maxOccurs="1" type="xsd:string">
+          <xsd:annotation>
+            <xsd:documentation>
+                        This value indicates the number of saves or revisions. The application is responsible for updating this value after each revision.
+                    </xsd:documentation>
+          </xsd:annotation>
+        </xsd:element>
+        <xsd:element name="lastModifiedBy" minOccurs="0" maxOccurs="1" type="xsd:string"/>
+        <xsd:element ref="dcterms:modified" minOccurs="0" maxOccurs="1"/>
+        <xsd:element name="contentStatus" minOccurs="0" maxOccurs="1" type="xsd:string"/>
+      </xsd:all>
+    </xsd:complexType>
+  </xsd:schema>
+  <xs:schema xmlns:pc="http://schemas.microsoft.com/office/infopath/2007/PartnerControls" xmlns:xs="http://www.w3.org/2001/XMLSchema" targetNamespace="http://schemas.microsoft.com/office/infopath/2007/PartnerControls" elementFormDefault="qualified" attributeFormDefault="unqualified">
+    <xs:element name="Person">
+      <xs:complexType>
+        <xs:sequence>
+          <xs:element ref="pc:DisplayName" minOccurs="0"/>
+          <xs:element ref="pc:AccountId" minOccurs="0"/>
+          <xs:element ref="pc:AccountType" minOccurs="0"/>
+        </xs:sequence>
+      </xs:complexType>
+    </xs:element>
+    <xs:element name="DisplayName" type="xs:string"/>
+    <xs:element name="AccountId" type="xs:string"/>
+    <xs:element name="AccountType" type="xs:string"/>
+    <xs:element name="BDCAssociatedEntity">
+      <xs:complexType>
+        <xs:sequence>
+          <xs:element ref="pc:BDCEntity" minOccurs="0" maxOccurs="unbounded"/>
+        </xs:sequence>
+        <xs:attribute ref="pc:EntityNamespace"/>
+        <xs:attribute ref="pc:EntityName"/>
+        <xs:attribute ref="pc:SystemInstanceName"/>
+        <xs:attribute ref="pc:AssociationName"/>
+      </xs:complexType>
+    </xs:element>
+    <xs:attribute name="EntityNamespace" type="xs:string"/>
+    <xs:attribute name="EntityName" type="xs:string"/>
+    <xs:attribute name="SystemInstanceName" type="xs:string"/>
+    <xs:attribute name="AssociationName" type="xs:string"/>
+    <xs:element name="BDCEntity">
+      <xs:complexType>
+        <xs:sequence>
+          <xs:element ref="pc:EntityDisplayName" minOccurs="0"/>
+          <xs:element ref="pc:EntityInstanceReference" minOccurs="0"/>
+          <xs:element ref="pc:EntityId1" minOccurs="0"/>
+          <xs:element ref="pc:EntityId2" minOccurs="0"/>
+          <xs:element ref="pc:EntityId3" minOccurs="0"/>
+          <xs:element ref="pc:EntityId4" minOccurs="0"/>
+          <xs:element ref="pc:EntityId5" minOccurs="0"/>
+        </xs:sequence>
+      </xs:complexType>
+    </xs:element>
+    <xs:element name="EntityDisplayName" type="xs:string"/>
+    <xs:element name="EntityInstanceReference" type="xs:string"/>
+    <xs:element name="EntityId1" type="xs:string"/>
+    <xs:element name="EntityId2" type="xs:string"/>
+    <xs:element name="EntityId3" type="xs:string"/>
+    <xs:element name="EntityId4" type="xs:string"/>
+    <xs:element name="EntityId5" type="xs:string"/>
+    <xs:element name="Terms">
+      <xs:complexType>
+        <xs:sequence>
+          <xs:element ref="pc:TermInfo" minOccurs="0" maxOccurs="unbounded"/>
+        </xs:sequence>
+      </xs:complexType>
+    </xs:element>
+    <xs:element name="TermInfo">
+      <xs:complexType>
+        <xs:sequence>
+          <xs:element ref="pc:TermName" minOccurs="0"/>
+          <xs:element ref="pc:TermId" minOccurs="0"/>
+        </xs:sequence>
+      </xs:complexType>
+    </xs:element>
+    <xs:element name="TermName" type="xs:string"/>
+    <xs:element name="TermId" type="xs:string"/>
+  </xs:schema>
+</ct:contentTypeSchema>
+</file>
+
+<file path=customXml/item3.xml><?xml version="1.0" encoding="utf-8"?>
+<p:properties xmlns:p="http://schemas.microsoft.com/office/2006/metadata/properties" xmlns:xsi="http://www.w3.org/2001/XMLSchema-instance" xmlns:pc="http://schemas.microsoft.com/office/infopath/2007/PartnerControls">
+  <documentManagement/>
+</p:properties>
+</file>
+
+<file path=customXml/item4.xml><?xml version="1.0" encoding="utf-8"?>
+<?mso-contentType ?>
+<FormTemplates xmlns="http://schemas.microsoft.com/sharepoint/v3/contenttype/forms">
+  <Display>DocumentLibraryForm</Display>
+  <Edit>DocumentLibraryForm</Edit>
+  <New>DocumentLibraryForm</New>
+</FormTemplates>
+</file>
+
 <file path=customXml/itemProps1.xml><?xml version="1.0" encoding="utf-8"?>
 <ds:datastoreItem xmlns:ds="http://schemas.openxmlformats.org/officeDocument/2006/customXml" ds:itemID="{F820E9AF-8DED-4D17-80AC-2052DB1506D3}">
   <ds:schemaRefs>
     <ds:schemaRef ds:uri="ESRI.ArcGIS.Mapping.OfficeIntegration.PowerPointInfo"/>
   </ds:schemaRefs>
 </ds:datastoreItem>
+</file>
+
+<file path=customXml/itemProps2.xml><?xml version="1.0" encoding="utf-8"?>
+<ds:datastoreItem xmlns:ds="http://schemas.openxmlformats.org/officeDocument/2006/customXml" ds:itemID="{C2F022C0-3A9C-476E-BE94-BA52DB5B7D5A}">
+  <ds:schemaRefs>
+    <ds:schemaRef ds:uri="b6537b32-d7a3-445d-a13e-f5ee99b6d44a"/>
+    <ds:schemaRef ds:uri="d50414f6-37ad-4088-828c-17732dfcb590"/>
+    <ds:schemaRef ds:uri="http://purl.org/dc/elements/1.1/"/>
+    <ds:schemaRef ds:uri="http://purl.org/dc/terms/"/>
+    <ds:schemaRef ds:uri="http://schemas.microsoft.com/internal/obd"/>
+    <ds:schemaRef ds:uri="http://schemas.microsoft.com/office/2006/documentManagement/types"/>
+    <ds:schemaRef ds:uri="http://schemas.microsoft.com/office/2006/metadata/contentType"/>
+    <ds:schemaRef ds:uri="http://schemas.microsoft.com/office/2006/metadata/properties"/>
+    <ds:schemaRef ds:uri="http://schemas.microsoft.com/office/2006/metadata/properties/metaAttributes"/>
+    <ds:schemaRef ds:uri="http://schemas.microsoft.com/office/infopath/2007/PartnerControls"/>
+    <ds:schemaRef ds:uri="http://schemas.openxmlformats.org/package/2006/metadata/core-properties"/>
+    <ds:schemaRef ds:uri="http://www.w3.org/2001/XMLSchema"/>
+  </ds:schemaRefs>
+</ds:datastoreItem>
+</file>
+
+<file path=customXml/itemProps3.xml><?xml version="1.0" encoding="utf-8"?>
+<ds:datastoreItem xmlns:ds="http://schemas.openxmlformats.org/officeDocument/2006/customXml" ds:itemID="{EBFFC18D-7AC0-489F-8802-477155174654}">
+  <ds:schemaRefs>
+    <ds:schemaRef ds:uri="http://schemas.microsoft.com/office/2006/metadata/properties"/>
+    <ds:schemaRef ds:uri="http://schemas.microsoft.com/office/infopath/2007/PartnerControls"/>
+  </ds:schemaRefs>
+</ds:datastoreItem>
+</file>
+
+<file path=customXml/itemProps4.xml><?xml version="1.0" encoding="utf-8"?>
+<ds:datastoreItem xmlns:ds="http://schemas.openxmlformats.org/officeDocument/2006/customXml" ds:itemID="{F40B8E31-4FFD-40AC-9C10-0CA6060638B7}">
+  <ds:schemaRefs>
+    <ds:schemaRef ds:uri="http://schemas.microsoft.com/sharepoint/v3/contenttype/forms"/>
+  </ds:schemaRefs>
+</ds:datastoreItem>
 </file>